--- a/presentacion scala.pptx
+++ b/presentacion scala.pptx
@@ -117,6 +117,11 @@
       </a:defRPr>
     </a:lvl9pPr>
   </p:defaultTextStyle>
+  <p:extLst>
+    <p:ext uri="{EFAFB233-063F-42B5-8137-9DF3F51BA10A}">
+      <p15:sldGuideLst xmlns:p15="http://schemas.microsoft.com/office/powerpoint/2012/main"/>
+    </p:ext>
+  </p:extLst>
 </p:presentation>
 </file>
 
@@ -7174,20 +7179,36 @@
           </a:xfrm>
         </p:spPr>
         <p:txBody>
-          <a:bodyPr/>
-          <a:lstStyle/>
-          <a:p>
-            <a:r>
-              <a:rPr lang="es-ES" dirty="0"/>
+          <a:bodyPr>
+            <a:normAutofit fontScale="92500" lnSpcReduction="20000"/>
+          </a:bodyPr>
+          <a:lstStyle/>
+          <a:p>
+            <a:r>
+              <a:rPr lang="es-ES" sz="2800" dirty="0"/>
               <a:t>Para más información, visita el sitio oficial de Scala:</a:t>
             </a:r>
           </a:p>
           <a:p>
             <a:r>
-              <a:rPr lang="es-ES" dirty="0"/>
+              <a:rPr lang="es-ES" sz="2800" dirty="0">
+                <a:hlinkClick r:id="rId2"/>
+              </a:rPr>
               <a:t>https://www.scala-lang.org/</a:t>
             </a:r>
-            <a:endParaRPr lang="es-PE" dirty="0"/>
+            <a:endParaRPr lang="es-ES" sz="2800" dirty="0"/>
+          </a:p>
+          <a:p>
+            <a:r>
+              <a:rPr lang="es-PE" sz="2800" dirty="0">
+                <a:hlinkClick r:id="rId3"/>
+              </a:rPr>
+              <a:t>https://github.com/samsam-tec/curso-scala</a:t>
+            </a:r>
+            <a:r>
+              <a:rPr lang="es-PE" sz="2800" dirty="0"/>
+              <a:t> </a:t>
+            </a:r>
           </a:p>
         </p:txBody>
       </p:sp>
